--- a/CodeDojoIntroMaterials/Hangman.pptx
+++ b/CodeDojoIntroMaterials/Hangman.pptx
@@ -210,7 +210,7 @@
           <a:p>
             <a:fld id="{FF6F425D-DEA3-43AE-8BD4-73C15BA73D62}" type="datetimeFigureOut">
               <a:rPr lang="en-GB" smtClean="0"/>
-              <a:t>24/03/2018</a:t>
+              <a:t>07/04/2018</a:t>
             </a:fld>
             <a:endParaRPr lang="en-GB"/>
           </a:p>
@@ -1211,7 +1211,7 @@
           <a:p>
             <a:fld id="{8C2DC95F-4758-45CC-8E65-674D23536E7F}" type="datetimeFigureOut">
               <a:rPr lang="en-GB" smtClean="0"/>
-              <a:t>24/03/2018</a:t>
+              <a:t>07/04/2018</a:t>
             </a:fld>
             <a:endParaRPr lang="en-GB"/>
           </a:p>
@@ -1421,7 +1421,7 @@
           <a:p>
             <a:fld id="{8C2DC95F-4758-45CC-8E65-674D23536E7F}" type="datetimeFigureOut">
               <a:rPr lang="en-GB" smtClean="0"/>
-              <a:t>24/03/2018</a:t>
+              <a:t>07/04/2018</a:t>
             </a:fld>
             <a:endParaRPr lang="en-GB"/>
           </a:p>
@@ -1631,7 +1631,7 @@
           <a:p>
             <a:fld id="{8C2DC95F-4758-45CC-8E65-674D23536E7F}" type="datetimeFigureOut">
               <a:rPr lang="en-GB" smtClean="0"/>
-              <a:t>24/03/2018</a:t>
+              <a:t>07/04/2018</a:t>
             </a:fld>
             <a:endParaRPr lang="en-GB"/>
           </a:p>
@@ -1907,7 +1907,7 @@
           <a:p>
             <a:fld id="{8C2DC95F-4758-45CC-8E65-674D23536E7F}" type="datetimeFigureOut">
               <a:rPr lang="en-GB" smtClean="0"/>
-              <a:t>24/03/2018</a:t>
+              <a:t>07/04/2018</a:t>
             </a:fld>
             <a:endParaRPr lang="en-GB"/>
           </a:p>
@@ -2177,7 +2177,7 @@
           <a:p>
             <a:fld id="{8C2DC95F-4758-45CC-8E65-674D23536E7F}" type="datetimeFigureOut">
               <a:rPr lang="en-GB" smtClean="0"/>
-              <a:t>24/03/2018</a:t>
+              <a:t>07/04/2018</a:t>
             </a:fld>
             <a:endParaRPr lang="en-GB"/>
           </a:p>
@@ -2583,7 +2583,7 @@
           <a:p>
             <a:fld id="{8C2DC95F-4758-45CC-8E65-674D23536E7F}" type="datetimeFigureOut">
               <a:rPr lang="en-GB" smtClean="0"/>
-              <a:t>24/03/2018</a:t>
+              <a:t>07/04/2018</a:t>
             </a:fld>
             <a:endParaRPr lang="en-GB"/>
           </a:p>
@@ -2733,7 +2733,7 @@
           <a:p>
             <a:fld id="{8C2DC95F-4758-45CC-8E65-674D23536E7F}" type="datetimeFigureOut">
               <a:rPr lang="en-GB" smtClean="0"/>
-              <a:t>24/03/2018</a:t>
+              <a:t>07/04/2018</a:t>
             </a:fld>
             <a:endParaRPr lang="en-GB"/>
           </a:p>
@@ -2852,7 +2852,7 @@
           <a:p>
             <a:fld id="{8C2DC95F-4758-45CC-8E65-674D23536E7F}" type="datetimeFigureOut">
               <a:rPr lang="en-GB" smtClean="0"/>
-              <a:t>24/03/2018</a:t>
+              <a:t>07/04/2018</a:t>
             </a:fld>
             <a:endParaRPr lang="en-GB"/>
           </a:p>
@@ -3162,7 +3162,7 @@
           <a:p>
             <a:fld id="{8C2DC95F-4758-45CC-8E65-674D23536E7F}" type="datetimeFigureOut">
               <a:rPr lang="en-GB" smtClean="0"/>
-              <a:t>24/03/2018</a:t>
+              <a:t>07/04/2018</a:t>
             </a:fld>
             <a:endParaRPr lang="en-GB"/>
           </a:p>
@@ -3452,7 +3452,7 @@
           <a:p>
             <a:fld id="{8C2DC95F-4758-45CC-8E65-674D23536E7F}" type="datetimeFigureOut">
               <a:rPr lang="en-GB" smtClean="0"/>
-              <a:t>24/03/2018</a:t>
+              <a:t>07/04/2018</a:t>
             </a:fld>
             <a:endParaRPr lang="en-GB"/>
           </a:p>
@@ -3976,12 +3976,221 @@
           </a:p>
         </p:txBody>
       </p:sp>
+      <p:cxnSp>
+        <p:nvCxnSpPr>
+          <p:cNvPr id="8" name="Straight Connector 7">
+            <a:extLst>
+              <a:ext uri="{FF2B5EF4-FFF2-40B4-BE49-F238E27FC236}">
+                <a16:creationId xmlns:a16="http://schemas.microsoft.com/office/drawing/2014/main" id="{CB3227AF-4646-D049-8F53-C7CE4698D990}"/>
+              </a:ext>
+            </a:extLst>
+          </p:cNvPr>
+          <p:cNvCxnSpPr>
+            <a:cxnSpLocks/>
+          </p:cNvCxnSpPr>
+          <p:nvPr/>
+        </p:nvCxnSpPr>
+        <p:spPr>
+          <a:xfrm>
+            <a:off x="8868323" y="1683866"/>
+            <a:ext cx="0" cy="3945573"/>
+          </a:xfrm>
+          <a:prstGeom prst="line">
+            <a:avLst/>
+          </a:prstGeom>
+          <a:ln w="76200"/>
+        </p:spPr>
+        <p:style>
+          <a:lnRef idx="1">
+            <a:schemeClr val="accent1"/>
+          </a:lnRef>
+          <a:fillRef idx="0">
+            <a:schemeClr val="accent1"/>
+          </a:fillRef>
+          <a:effectRef idx="0">
+            <a:schemeClr val="accent1"/>
+          </a:effectRef>
+          <a:fontRef idx="minor">
+            <a:schemeClr val="tx1"/>
+          </a:fontRef>
+        </p:style>
+      </p:cxnSp>
+      <p:cxnSp>
+        <p:nvCxnSpPr>
+          <p:cNvPr id="9" name="Straight Connector 8">
+            <a:extLst>
+              <a:ext uri="{FF2B5EF4-FFF2-40B4-BE49-F238E27FC236}">
+                <a16:creationId xmlns:a16="http://schemas.microsoft.com/office/drawing/2014/main" id="{05457A01-BC25-D44E-8D08-5B35300B4C6F}"/>
+              </a:ext>
+            </a:extLst>
+          </p:cNvPr>
+          <p:cNvCxnSpPr>
+            <a:cxnSpLocks/>
+          </p:cNvCxnSpPr>
+          <p:nvPr/>
+        </p:nvCxnSpPr>
+        <p:spPr>
+          <a:xfrm flipH="1">
+            <a:off x="8852050" y="1708579"/>
+            <a:ext cx="1787117" cy="0"/>
+          </a:xfrm>
+          <a:prstGeom prst="line">
+            <a:avLst/>
+          </a:prstGeom>
+          <a:ln w="76200"/>
+        </p:spPr>
+        <p:style>
+          <a:lnRef idx="1">
+            <a:schemeClr val="accent1"/>
+          </a:lnRef>
+          <a:fillRef idx="0">
+            <a:schemeClr val="accent1"/>
+          </a:fillRef>
+          <a:effectRef idx="0">
+            <a:schemeClr val="accent1"/>
+          </a:effectRef>
+          <a:fontRef idx="minor">
+            <a:schemeClr val="tx1"/>
+          </a:fontRef>
+        </p:style>
+      </p:cxnSp>
+      <p:cxnSp>
+        <p:nvCxnSpPr>
+          <p:cNvPr id="11" name="Straight Connector 10">
+            <a:extLst>
+              <a:ext uri="{FF2B5EF4-FFF2-40B4-BE49-F238E27FC236}">
+                <a16:creationId xmlns:a16="http://schemas.microsoft.com/office/drawing/2014/main" id="{79312C7D-78CA-0B47-A2A6-3D69ADB9A56E}"/>
+              </a:ext>
+            </a:extLst>
+          </p:cNvPr>
+          <p:cNvCxnSpPr>
+            <a:cxnSpLocks/>
+          </p:cNvCxnSpPr>
+          <p:nvPr/>
+        </p:nvCxnSpPr>
+        <p:spPr>
+          <a:xfrm flipH="1" flipV="1">
+            <a:off x="10612383" y="1683866"/>
+            <a:ext cx="2" cy="806698"/>
+          </a:xfrm>
+          <a:prstGeom prst="line">
+            <a:avLst/>
+          </a:prstGeom>
+          <a:ln w="76200"/>
+        </p:spPr>
+        <p:style>
+          <a:lnRef idx="1">
+            <a:schemeClr val="accent1"/>
+          </a:lnRef>
+          <a:fillRef idx="0">
+            <a:schemeClr val="accent1"/>
+          </a:fillRef>
+          <a:effectRef idx="0">
+            <a:schemeClr val="accent1"/>
+          </a:effectRef>
+          <a:fontRef idx="minor">
+            <a:schemeClr val="tx1"/>
+          </a:fontRef>
+        </p:style>
+      </p:cxnSp>
+      <p:sp>
+        <p:nvSpPr>
+          <p:cNvPr id="13" name="Oval 12">
+            <a:extLst>
+              <a:ext uri="{FF2B5EF4-FFF2-40B4-BE49-F238E27FC236}">
+                <a16:creationId xmlns:a16="http://schemas.microsoft.com/office/drawing/2014/main" id="{53EE138F-9DFC-134B-8202-3557934DBBC8}"/>
+              </a:ext>
+            </a:extLst>
+          </p:cNvPr>
+          <p:cNvSpPr/>
+          <p:nvPr/>
+        </p:nvSpPr>
+        <p:spPr>
+          <a:xfrm>
+            <a:off x="10324937" y="2515754"/>
+            <a:ext cx="574889" cy="586643"/>
+          </a:xfrm>
+          <a:prstGeom prst="ellipse">
+            <a:avLst/>
+          </a:prstGeom>
+          <a:ln w="57150">
+            <a:solidFill>
+              <a:schemeClr val="accent6"/>
+            </a:solidFill>
+          </a:ln>
+        </p:spPr>
+        <p:style>
+          <a:lnRef idx="2">
+            <a:schemeClr val="accent6"/>
+          </a:lnRef>
+          <a:fillRef idx="1">
+            <a:schemeClr val="lt1"/>
+          </a:fillRef>
+          <a:effectRef idx="0">
+            <a:schemeClr val="accent6"/>
+          </a:effectRef>
+          <a:fontRef idx="minor">
+            <a:schemeClr val="dk1"/>
+          </a:fontRef>
+        </p:style>
+        <p:txBody>
+          <a:bodyPr rtlCol="0" anchor="ctr"/>
+          <a:lstStyle/>
+          <a:p>
+            <a:pPr algn="ctr"/>
+            <a:endParaRPr lang="en-US"/>
+          </a:p>
+        </p:txBody>
+      </p:sp>
+      <p:cxnSp>
+        <p:nvCxnSpPr>
+          <p:cNvPr id="15" name="Straight Connector 14">
+            <a:extLst>
+              <a:ext uri="{FF2B5EF4-FFF2-40B4-BE49-F238E27FC236}">
+                <a16:creationId xmlns:a16="http://schemas.microsoft.com/office/drawing/2014/main" id="{15A89763-320C-7B46-9961-8C444F7A3AD6}"/>
+              </a:ext>
+            </a:extLst>
+          </p:cNvPr>
+          <p:cNvCxnSpPr>
+            <a:cxnSpLocks/>
+          </p:cNvCxnSpPr>
+          <p:nvPr/>
+        </p:nvCxnSpPr>
+        <p:spPr>
+          <a:xfrm>
+            <a:off x="10612381" y="3127587"/>
+            <a:ext cx="0" cy="931795"/>
+          </a:xfrm>
+          <a:prstGeom prst="line">
+            <a:avLst/>
+          </a:prstGeom>
+          <a:ln w="57150">
+            <a:solidFill>
+              <a:schemeClr val="accent6"/>
+            </a:solidFill>
+          </a:ln>
+        </p:spPr>
+        <p:style>
+          <a:lnRef idx="1">
+            <a:schemeClr val="accent1"/>
+          </a:lnRef>
+          <a:fillRef idx="0">
+            <a:schemeClr val="accent1"/>
+          </a:fillRef>
+          <a:effectRef idx="0">
+            <a:schemeClr val="accent1"/>
+          </a:effectRef>
+          <a:fontRef idx="minor">
+            <a:schemeClr val="tx1"/>
+          </a:fontRef>
+        </p:style>
+      </p:cxnSp>
       <p:grpSp>
         <p:nvGrpSpPr>
-          <p:cNvPr id="61" name="Group 60">
+          <p:cNvPr id="27" name="Group 26">
             <a:extLst>
               <a:ext uri="{FF2B5EF4-FFF2-40B4-BE49-F238E27FC236}">
-                <a16:creationId xmlns:a16="http://schemas.microsoft.com/office/drawing/2014/main" id="{6301A43E-AE9B-654E-A5F9-C72D3402F782}"/>
+                <a16:creationId xmlns:a16="http://schemas.microsoft.com/office/drawing/2014/main" id="{F4D1E0FC-C748-C64D-A059-72BE17C407EA}"/>
               </a:ext>
             </a:extLst>
           </p:cNvPr>
@@ -3990,221 +4199,12 @@
         </p:nvGrpSpPr>
         <p:grpSpPr>
           <a:xfrm>
-            <a:off x="8365524" y="1683866"/>
-            <a:ext cx="2759677" cy="3945573"/>
-            <a:chOff x="8365524" y="1683866"/>
-            <a:chExt cx="2759677" cy="3945573"/>
+            <a:off x="10175301" y="3297738"/>
+            <a:ext cx="874159" cy="1577314"/>
+            <a:chOff x="10099568" y="3625104"/>
+            <a:chExt cx="1025633" cy="1577314"/>
           </a:xfrm>
         </p:grpSpPr>
-        <p:cxnSp>
-          <p:nvCxnSpPr>
-            <p:cNvPr id="8" name="Straight Connector 7">
-              <a:extLst>
-                <a:ext uri="{FF2B5EF4-FFF2-40B4-BE49-F238E27FC236}">
-                  <a16:creationId xmlns:a16="http://schemas.microsoft.com/office/drawing/2014/main" id="{CB3227AF-4646-D049-8F53-C7CE4698D990}"/>
-                </a:ext>
-              </a:extLst>
-            </p:cNvPr>
-            <p:cNvCxnSpPr>
-              <a:cxnSpLocks/>
-            </p:cNvCxnSpPr>
-            <p:nvPr/>
-          </p:nvCxnSpPr>
-          <p:spPr>
-            <a:xfrm>
-              <a:off x="8868323" y="1683866"/>
-              <a:ext cx="0" cy="3945573"/>
-            </a:xfrm>
-            <a:prstGeom prst="line">
-              <a:avLst/>
-            </a:prstGeom>
-            <a:ln w="76200"/>
-          </p:spPr>
-          <p:style>
-            <a:lnRef idx="1">
-              <a:schemeClr val="accent1"/>
-            </a:lnRef>
-            <a:fillRef idx="0">
-              <a:schemeClr val="accent1"/>
-            </a:fillRef>
-            <a:effectRef idx="0">
-              <a:schemeClr val="accent1"/>
-            </a:effectRef>
-            <a:fontRef idx="minor">
-              <a:schemeClr val="tx1"/>
-            </a:fontRef>
-          </p:style>
-        </p:cxnSp>
-        <p:cxnSp>
-          <p:nvCxnSpPr>
-            <p:cNvPr id="9" name="Straight Connector 8">
-              <a:extLst>
-                <a:ext uri="{FF2B5EF4-FFF2-40B4-BE49-F238E27FC236}">
-                  <a16:creationId xmlns:a16="http://schemas.microsoft.com/office/drawing/2014/main" id="{05457A01-BC25-D44E-8D08-5B35300B4C6F}"/>
-                </a:ext>
-              </a:extLst>
-            </p:cNvPr>
-            <p:cNvCxnSpPr>
-              <a:cxnSpLocks/>
-            </p:cNvCxnSpPr>
-            <p:nvPr/>
-          </p:nvCxnSpPr>
-          <p:spPr>
-            <a:xfrm flipH="1">
-              <a:off x="8852050" y="1708579"/>
-              <a:ext cx="1787117" cy="0"/>
-            </a:xfrm>
-            <a:prstGeom prst="line">
-              <a:avLst/>
-            </a:prstGeom>
-            <a:ln w="76200"/>
-          </p:spPr>
-          <p:style>
-            <a:lnRef idx="1">
-              <a:schemeClr val="accent1"/>
-            </a:lnRef>
-            <a:fillRef idx="0">
-              <a:schemeClr val="accent1"/>
-            </a:fillRef>
-            <a:effectRef idx="0">
-              <a:schemeClr val="accent1"/>
-            </a:effectRef>
-            <a:fontRef idx="minor">
-              <a:schemeClr val="tx1"/>
-            </a:fontRef>
-          </p:style>
-        </p:cxnSp>
-        <p:cxnSp>
-          <p:nvCxnSpPr>
-            <p:cNvPr id="11" name="Straight Connector 10">
-              <a:extLst>
-                <a:ext uri="{FF2B5EF4-FFF2-40B4-BE49-F238E27FC236}">
-                  <a16:creationId xmlns:a16="http://schemas.microsoft.com/office/drawing/2014/main" id="{79312C7D-78CA-0B47-A2A6-3D69ADB9A56E}"/>
-                </a:ext>
-              </a:extLst>
-            </p:cNvPr>
-            <p:cNvCxnSpPr>
-              <a:cxnSpLocks/>
-            </p:cNvCxnSpPr>
-            <p:nvPr/>
-          </p:nvCxnSpPr>
-          <p:spPr>
-            <a:xfrm flipH="1" flipV="1">
-              <a:off x="10612383" y="1683866"/>
-              <a:ext cx="2" cy="806698"/>
-            </a:xfrm>
-            <a:prstGeom prst="line">
-              <a:avLst/>
-            </a:prstGeom>
-            <a:ln w="76200"/>
-          </p:spPr>
-          <p:style>
-            <a:lnRef idx="1">
-              <a:schemeClr val="accent1"/>
-            </a:lnRef>
-            <a:fillRef idx="0">
-              <a:schemeClr val="accent1"/>
-            </a:fillRef>
-            <a:effectRef idx="0">
-              <a:schemeClr val="accent1"/>
-            </a:effectRef>
-            <a:fontRef idx="minor">
-              <a:schemeClr val="tx1"/>
-            </a:fontRef>
-          </p:style>
-        </p:cxnSp>
-        <p:sp>
-          <p:nvSpPr>
-            <p:cNvPr id="13" name="Oval 12">
-              <a:extLst>
-                <a:ext uri="{FF2B5EF4-FFF2-40B4-BE49-F238E27FC236}">
-                  <a16:creationId xmlns:a16="http://schemas.microsoft.com/office/drawing/2014/main" id="{53EE138F-9DFC-134B-8202-3557934DBBC8}"/>
-                </a:ext>
-              </a:extLst>
-            </p:cNvPr>
-            <p:cNvSpPr/>
-            <p:nvPr/>
-          </p:nvSpPr>
-          <p:spPr>
-            <a:xfrm>
-              <a:off x="10231656" y="2502921"/>
-              <a:ext cx="761457" cy="766648"/>
-            </a:xfrm>
-            <a:prstGeom prst="ellipse">
-              <a:avLst/>
-            </a:prstGeom>
-            <a:ln w="57150">
-              <a:solidFill>
-                <a:schemeClr val="accent6"/>
-              </a:solidFill>
-            </a:ln>
-          </p:spPr>
-          <p:style>
-            <a:lnRef idx="2">
-              <a:schemeClr val="accent6"/>
-            </a:lnRef>
-            <a:fillRef idx="1">
-              <a:schemeClr val="lt1"/>
-            </a:fillRef>
-            <a:effectRef idx="0">
-              <a:schemeClr val="accent6"/>
-            </a:effectRef>
-            <a:fontRef idx="minor">
-              <a:schemeClr val="dk1"/>
-            </a:fontRef>
-          </p:style>
-          <p:txBody>
-            <a:bodyPr rtlCol="0" anchor="ctr"/>
-            <a:lstStyle/>
-            <a:p>
-              <a:pPr algn="ctr"/>
-              <a:endParaRPr lang="en-US"/>
-            </a:p>
-          </p:txBody>
-        </p:sp>
-        <p:cxnSp>
-          <p:nvCxnSpPr>
-            <p:cNvPr id="15" name="Straight Connector 14">
-              <a:extLst>
-                <a:ext uri="{FF2B5EF4-FFF2-40B4-BE49-F238E27FC236}">
-                  <a16:creationId xmlns:a16="http://schemas.microsoft.com/office/drawing/2014/main" id="{15A89763-320C-7B46-9961-8C444F7A3AD6}"/>
-                </a:ext>
-              </a:extLst>
-            </p:cNvPr>
-            <p:cNvCxnSpPr>
-              <a:cxnSpLocks/>
-            </p:cNvCxnSpPr>
-            <p:nvPr/>
-          </p:nvCxnSpPr>
-          <p:spPr>
-            <a:xfrm>
-              <a:off x="10612385" y="3286609"/>
-              <a:ext cx="0" cy="1110827"/>
-            </a:xfrm>
-            <a:prstGeom prst="line">
-              <a:avLst/>
-            </a:prstGeom>
-            <a:ln w="57150">
-              <a:solidFill>
-                <a:schemeClr val="accent6"/>
-              </a:solidFill>
-            </a:ln>
-          </p:spPr>
-          <p:style>
-            <a:lnRef idx="1">
-              <a:schemeClr val="accent1"/>
-            </a:lnRef>
-            <a:fillRef idx="0">
-              <a:schemeClr val="accent1"/>
-            </a:fillRef>
-            <a:effectRef idx="0">
-              <a:schemeClr val="accent1"/>
-            </a:effectRef>
-            <a:fontRef idx="minor">
-              <a:schemeClr val="tx1"/>
-            </a:fontRef>
-          </p:style>
-        </p:cxnSp>
         <p:cxnSp>
           <p:nvCxnSpPr>
             <p:cNvPr id="16" name="Straight Connector 15">
@@ -4377,85 +4377,85 @@
             </a:fontRef>
           </p:style>
         </p:cxnSp>
-        <p:cxnSp>
-          <p:nvCxnSpPr>
-            <p:cNvPr id="33" name="Straight Connector 32">
-              <a:extLst>
-                <a:ext uri="{FF2B5EF4-FFF2-40B4-BE49-F238E27FC236}">
-                  <a16:creationId xmlns:a16="http://schemas.microsoft.com/office/drawing/2014/main" id="{544BDAF0-C483-D540-AF1F-970DDA76E352}"/>
-                </a:ext>
-              </a:extLst>
-            </p:cNvPr>
-            <p:cNvCxnSpPr>
-              <a:cxnSpLocks/>
-            </p:cNvCxnSpPr>
-            <p:nvPr/>
-          </p:nvCxnSpPr>
-          <p:spPr>
-            <a:xfrm flipH="1">
-              <a:off x="8365524" y="5629439"/>
-              <a:ext cx="973052" cy="0"/>
-            </a:xfrm>
-            <a:prstGeom prst="line">
-              <a:avLst/>
-            </a:prstGeom>
-            <a:ln w="76200"/>
-          </p:spPr>
-          <p:style>
-            <a:lnRef idx="1">
-              <a:schemeClr val="accent1"/>
-            </a:lnRef>
-            <a:fillRef idx="0">
-              <a:schemeClr val="accent1"/>
-            </a:fillRef>
-            <a:effectRef idx="0">
-              <a:schemeClr val="accent1"/>
-            </a:effectRef>
-            <a:fontRef idx="minor">
-              <a:schemeClr val="tx1"/>
-            </a:fontRef>
-          </p:style>
-        </p:cxnSp>
-        <p:cxnSp>
-          <p:nvCxnSpPr>
-            <p:cNvPr id="56" name="Straight Connector 55">
-              <a:extLst>
-                <a:ext uri="{FF2B5EF4-FFF2-40B4-BE49-F238E27FC236}">
-                  <a16:creationId xmlns:a16="http://schemas.microsoft.com/office/drawing/2014/main" id="{8A7F86A3-55C8-4848-AF9A-5C1467D8F9C1}"/>
-                </a:ext>
-              </a:extLst>
-            </p:cNvPr>
-            <p:cNvCxnSpPr>
-              <a:cxnSpLocks/>
-            </p:cNvCxnSpPr>
-            <p:nvPr/>
-          </p:nvCxnSpPr>
-          <p:spPr>
-            <a:xfrm flipH="1">
-              <a:off x="8868323" y="1703689"/>
-              <a:ext cx="543639" cy="564760"/>
-            </a:xfrm>
-            <a:prstGeom prst="line">
-              <a:avLst/>
-            </a:prstGeom>
-            <a:ln w="76200"/>
-          </p:spPr>
-          <p:style>
-            <a:lnRef idx="1">
-              <a:schemeClr val="accent1"/>
-            </a:lnRef>
-            <a:fillRef idx="0">
-              <a:schemeClr val="accent1"/>
-            </a:fillRef>
-            <a:effectRef idx="0">
-              <a:schemeClr val="accent1"/>
-            </a:effectRef>
-            <a:fontRef idx="minor">
-              <a:schemeClr val="tx1"/>
-            </a:fontRef>
-          </p:style>
-        </p:cxnSp>
       </p:grpSp>
+      <p:cxnSp>
+        <p:nvCxnSpPr>
+          <p:cNvPr id="33" name="Straight Connector 32">
+            <a:extLst>
+              <a:ext uri="{FF2B5EF4-FFF2-40B4-BE49-F238E27FC236}">
+                <a16:creationId xmlns:a16="http://schemas.microsoft.com/office/drawing/2014/main" id="{544BDAF0-C483-D540-AF1F-970DDA76E352}"/>
+              </a:ext>
+            </a:extLst>
+          </p:cNvPr>
+          <p:cNvCxnSpPr>
+            <a:cxnSpLocks/>
+          </p:cNvCxnSpPr>
+          <p:nvPr/>
+        </p:nvCxnSpPr>
+        <p:spPr>
+          <a:xfrm flipH="1">
+            <a:off x="8365524" y="5629439"/>
+            <a:ext cx="973052" cy="0"/>
+          </a:xfrm>
+          <a:prstGeom prst="line">
+            <a:avLst/>
+          </a:prstGeom>
+          <a:ln w="76200"/>
+        </p:spPr>
+        <p:style>
+          <a:lnRef idx="1">
+            <a:schemeClr val="accent1"/>
+          </a:lnRef>
+          <a:fillRef idx="0">
+            <a:schemeClr val="accent1"/>
+          </a:fillRef>
+          <a:effectRef idx="0">
+            <a:schemeClr val="accent1"/>
+          </a:effectRef>
+          <a:fontRef idx="minor">
+            <a:schemeClr val="tx1"/>
+          </a:fontRef>
+        </p:style>
+      </p:cxnSp>
+      <p:cxnSp>
+        <p:nvCxnSpPr>
+          <p:cNvPr id="56" name="Straight Connector 55">
+            <a:extLst>
+              <a:ext uri="{FF2B5EF4-FFF2-40B4-BE49-F238E27FC236}">
+                <a16:creationId xmlns:a16="http://schemas.microsoft.com/office/drawing/2014/main" id="{8A7F86A3-55C8-4848-AF9A-5C1467D8F9C1}"/>
+              </a:ext>
+            </a:extLst>
+          </p:cNvPr>
+          <p:cNvCxnSpPr>
+            <a:cxnSpLocks/>
+          </p:cNvCxnSpPr>
+          <p:nvPr/>
+        </p:nvCxnSpPr>
+        <p:spPr>
+          <a:xfrm flipH="1">
+            <a:off x="8868323" y="1703689"/>
+            <a:ext cx="543639" cy="564760"/>
+          </a:xfrm>
+          <a:prstGeom prst="line">
+            <a:avLst/>
+          </a:prstGeom>
+          <a:ln w="76200"/>
+        </p:spPr>
+        <p:style>
+          <a:lnRef idx="1">
+            <a:schemeClr val="accent1"/>
+          </a:lnRef>
+          <a:fillRef idx="0">
+            <a:schemeClr val="accent1"/>
+          </a:fillRef>
+          <a:effectRef idx="0">
+            <a:schemeClr val="accent1"/>
+          </a:effectRef>
+          <a:fontRef idx="minor">
+            <a:schemeClr val="tx1"/>
+          </a:fontRef>
+        </p:style>
+      </p:cxnSp>
     </p:spTree>
     <p:extLst>
       <p:ext uri="{BB962C8B-B14F-4D97-AF65-F5344CB8AC3E}">

--- a/CodeDojoIntroMaterials/Hangman.pptx
+++ b/CodeDojoIntroMaterials/Hangman.pptx
@@ -5,20 +5,14 @@
     <p:sldMasterId id="2147483648" r:id="rId1"/>
   </p:sldMasterIdLst>
   <p:notesMasterIdLst>
-    <p:notesMasterId r:id="rId13"/>
+    <p:notesMasterId r:id="rId7"/>
   </p:notesMasterIdLst>
   <p:sldIdLst>
     <p:sldId id="256" r:id="rId2"/>
     <p:sldId id="257" r:id="rId3"/>
     <p:sldId id="258" r:id="rId4"/>
     <p:sldId id="259" r:id="rId5"/>
-    <p:sldId id="260" r:id="rId6"/>
-    <p:sldId id="271" r:id="rId7"/>
-    <p:sldId id="272" r:id="rId8"/>
-    <p:sldId id="274" r:id="rId9"/>
-    <p:sldId id="275" r:id="rId10"/>
-    <p:sldId id="267" r:id="rId11"/>
-    <p:sldId id="266" r:id="rId12"/>
+    <p:sldId id="266" r:id="rId6"/>
   </p:sldIdLst>
   <p:sldSz cx="12192000" cy="6858000"/>
   <p:notesSz cx="6858000" cy="9144000"/>
@@ -210,7 +204,7 @@
           <a:p>
             <a:fld id="{FF6F425D-DEA3-43AE-8BD4-73C15BA73D62}" type="datetimeFigureOut">
               <a:rPr lang="en-GB" smtClean="0"/>
-              <a:t>07/04/2018</a:t>
+              <a:t>09/04/2018</a:t>
             </a:fld>
             <a:endParaRPr lang="en-GB"/>
           </a:p>
@@ -888,174 +882,6 @@
     </p:spTree>
     <p:extLst>
       <p:ext uri="{BB962C8B-B14F-4D97-AF65-F5344CB8AC3E}">
-        <p14:creationId xmlns:p14="http://schemas.microsoft.com/office/powerpoint/2010/main" val="1238095879"/>
-      </p:ext>
-    </p:extLst>
-  </p:cSld>
-  <p:clrMapOvr>
-    <a:masterClrMapping/>
-  </p:clrMapOvr>
-</p:notes>
-</file>
-
-<file path=ppt/notesSlides/notesSlide6.xml><?xml version="1.0" encoding="utf-8"?>
-<p:notes xmlns:a="http://schemas.openxmlformats.org/drawingml/2006/main" xmlns:r="http://schemas.openxmlformats.org/officeDocument/2006/relationships" xmlns:p="http://schemas.openxmlformats.org/presentationml/2006/main">
-  <p:cSld>
-    <p:spTree>
-      <p:nvGrpSpPr>
-        <p:cNvPr id="1" name=""/>
-        <p:cNvGrpSpPr/>
-        <p:nvPr/>
-      </p:nvGrpSpPr>
-      <p:grpSpPr>
-        <a:xfrm>
-          <a:off x="0" y="0"/>
-          <a:ext cx="0" cy="0"/>
-          <a:chOff x="0" y="0"/>
-          <a:chExt cx="0" cy="0"/>
-        </a:xfrm>
-      </p:grpSpPr>
-      <p:sp>
-        <p:nvSpPr>
-          <p:cNvPr id="2" name="Slide Image Placeholder 1"/>
-          <p:cNvSpPr>
-            <a:spLocks noGrp="1" noRot="1" noChangeAspect="1"/>
-          </p:cNvSpPr>
-          <p:nvPr>
-            <p:ph type="sldImg"/>
-          </p:nvPr>
-        </p:nvSpPr>
-        <p:spPr/>
-      </p:sp>
-      <p:sp>
-        <p:nvSpPr>
-          <p:cNvPr id="3" name="Notes Placeholder 2"/>
-          <p:cNvSpPr>
-            <a:spLocks noGrp="1"/>
-          </p:cNvSpPr>
-          <p:nvPr>
-            <p:ph type="body" idx="1"/>
-          </p:nvPr>
-        </p:nvSpPr>
-        <p:spPr/>
-        <p:txBody>
-          <a:bodyPr/>
-          <a:lstStyle/>
-          <a:p>
-            <a:endParaRPr lang="en-GB" dirty="0"/>
-          </a:p>
-        </p:txBody>
-      </p:sp>
-      <p:sp>
-        <p:nvSpPr>
-          <p:cNvPr id="4" name="Slide Number Placeholder 3"/>
-          <p:cNvSpPr>
-            <a:spLocks noGrp="1"/>
-          </p:cNvSpPr>
-          <p:nvPr>
-            <p:ph type="sldNum" sz="quarter" idx="10"/>
-          </p:nvPr>
-        </p:nvSpPr>
-        <p:spPr/>
-        <p:txBody>
-          <a:bodyPr/>
-          <a:lstStyle/>
-          <a:p>
-            <a:fld id="{723B45EE-AF0F-4566-84E6-937F0AB40E53}" type="slidenum">
-              <a:rPr lang="en-GB" smtClean="0"/>
-              <a:t>10</a:t>
-            </a:fld>
-            <a:endParaRPr lang="en-GB"/>
-          </a:p>
-        </p:txBody>
-      </p:sp>
-    </p:spTree>
-    <p:extLst>
-      <p:ext uri="{BB962C8B-B14F-4D97-AF65-F5344CB8AC3E}">
-        <p14:creationId xmlns:p14="http://schemas.microsoft.com/office/powerpoint/2010/main" val="2418937918"/>
-      </p:ext>
-    </p:extLst>
-  </p:cSld>
-  <p:clrMapOvr>
-    <a:masterClrMapping/>
-  </p:clrMapOvr>
-</p:notes>
-</file>
-
-<file path=ppt/notesSlides/notesSlide7.xml><?xml version="1.0" encoding="utf-8"?>
-<p:notes xmlns:a="http://schemas.openxmlformats.org/drawingml/2006/main" xmlns:r="http://schemas.openxmlformats.org/officeDocument/2006/relationships" xmlns:p="http://schemas.openxmlformats.org/presentationml/2006/main">
-  <p:cSld>
-    <p:spTree>
-      <p:nvGrpSpPr>
-        <p:cNvPr id="1" name=""/>
-        <p:cNvGrpSpPr/>
-        <p:nvPr/>
-      </p:nvGrpSpPr>
-      <p:grpSpPr>
-        <a:xfrm>
-          <a:off x="0" y="0"/>
-          <a:ext cx="0" cy="0"/>
-          <a:chOff x="0" y="0"/>
-          <a:chExt cx="0" cy="0"/>
-        </a:xfrm>
-      </p:grpSpPr>
-      <p:sp>
-        <p:nvSpPr>
-          <p:cNvPr id="2" name="Slide Image Placeholder 1"/>
-          <p:cNvSpPr>
-            <a:spLocks noGrp="1" noRot="1" noChangeAspect="1"/>
-          </p:cNvSpPr>
-          <p:nvPr>
-            <p:ph type="sldImg"/>
-          </p:nvPr>
-        </p:nvSpPr>
-        <p:spPr/>
-      </p:sp>
-      <p:sp>
-        <p:nvSpPr>
-          <p:cNvPr id="3" name="Notes Placeholder 2"/>
-          <p:cNvSpPr>
-            <a:spLocks noGrp="1"/>
-          </p:cNvSpPr>
-          <p:nvPr>
-            <p:ph type="body" idx="1"/>
-          </p:nvPr>
-        </p:nvSpPr>
-        <p:spPr/>
-        <p:txBody>
-          <a:bodyPr/>
-          <a:lstStyle/>
-          <a:p>
-            <a:endParaRPr lang="en-GB" dirty="0"/>
-          </a:p>
-        </p:txBody>
-      </p:sp>
-      <p:sp>
-        <p:nvSpPr>
-          <p:cNvPr id="4" name="Slide Number Placeholder 3"/>
-          <p:cNvSpPr>
-            <a:spLocks noGrp="1"/>
-          </p:cNvSpPr>
-          <p:nvPr>
-            <p:ph type="sldNum" sz="quarter" idx="10"/>
-          </p:nvPr>
-        </p:nvSpPr>
-        <p:spPr/>
-        <p:txBody>
-          <a:bodyPr/>
-          <a:lstStyle/>
-          <a:p>
-            <a:fld id="{723B45EE-AF0F-4566-84E6-937F0AB40E53}" type="slidenum">
-              <a:rPr lang="en-GB" smtClean="0"/>
-              <a:t>11</a:t>
-            </a:fld>
-            <a:endParaRPr lang="en-GB"/>
-          </a:p>
-        </p:txBody>
-      </p:sp>
-    </p:spTree>
-    <p:extLst>
-      <p:ext uri="{BB962C8B-B14F-4D97-AF65-F5344CB8AC3E}">
         <p14:creationId xmlns:p14="http://schemas.microsoft.com/office/powerpoint/2010/main" val="3191459087"/>
       </p:ext>
     </p:extLst>
@@ -1211,7 +1037,7 @@
           <a:p>
             <a:fld id="{8C2DC95F-4758-45CC-8E65-674D23536E7F}" type="datetimeFigureOut">
               <a:rPr lang="en-GB" smtClean="0"/>
-              <a:t>07/04/2018</a:t>
+              <a:t>09/04/2018</a:t>
             </a:fld>
             <a:endParaRPr lang="en-GB"/>
           </a:p>
@@ -1421,7 +1247,7 @@
           <a:p>
             <a:fld id="{8C2DC95F-4758-45CC-8E65-674D23536E7F}" type="datetimeFigureOut">
               <a:rPr lang="en-GB" smtClean="0"/>
-              <a:t>07/04/2018</a:t>
+              <a:t>09/04/2018</a:t>
             </a:fld>
             <a:endParaRPr lang="en-GB"/>
           </a:p>
@@ -1631,7 +1457,7 @@
           <a:p>
             <a:fld id="{8C2DC95F-4758-45CC-8E65-674D23536E7F}" type="datetimeFigureOut">
               <a:rPr lang="en-GB" smtClean="0"/>
-              <a:t>07/04/2018</a:t>
+              <a:t>09/04/2018</a:t>
             </a:fld>
             <a:endParaRPr lang="en-GB"/>
           </a:p>
@@ -1907,7 +1733,7 @@
           <a:p>
             <a:fld id="{8C2DC95F-4758-45CC-8E65-674D23536E7F}" type="datetimeFigureOut">
               <a:rPr lang="en-GB" smtClean="0"/>
-              <a:t>07/04/2018</a:t>
+              <a:t>09/04/2018</a:t>
             </a:fld>
             <a:endParaRPr lang="en-GB"/>
           </a:p>
@@ -2177,7 +2003,7 @@
           <a:p>
             <a:fld id="{8C2DC95F-4758-45CC-8E65-674D23536E7F}" type="datetimeFigureOut">
               <a:rPr lang="en-GB" smtClean="0"/>
-              <a:t>07/04/2018</a:t>
+              <a:t>09/04/2018</a:t>
             </a:fld>
             <a:endParaRPr lang="en-GB"/>
           </a:p>
@@ -2583,7 +2409,7 @@
           <a:p>
             <a:fld id="{8C2DC95F-4758-45CC-8E65-674D23536E7F}" type="datetimeFigureOut">
               <a:rPr lang="en-GB" smtClean="0"/>
-              <a:t>07/04/2018</a:t>
+              <a:t>09/04/2018</a:t>
             </a:fld>
             <a:endParaRPr lang="en-GB"/>
           </a:p>
@@ -2733,7 +2559,7 @@
           <a:p>
             <a:fld id="{8C2DC95F-4758-45CC-8E65-674D23536E7F}" type="datetimeFigureOut">
               <a:rPr lang="en-GB" smtClean="0"/>
-              <a:t>07/04/2018</a:t>
+              <a:t>09/04/2018</a:t>
             </a:fld>
             <a:endParaRPr lang="en-GB"/>
           </a:p>
@@ -2852,7 +2678,7 @@
           <a:p>
             <a:fld id="{8C2DC95F-4758-45CC-8E65-674D23536E7F}" type="datetimeFigureOut">
               <a:rPr lang="en-GB" smtClean="0"/>
-              <a:t>07/04/2018</a:t>
+              <a:t>09/04/2018</a:t>
             </a:fld>
             <a:endParaRPr lang="en-GB"/>
           </a:p>
@@ -3162,7 +2988,7 @@
           <a:p>
             <a:fld id="{8C2DC95F-4758-45CC-8E65-674D23536E7F}" type="datetimeFigureOut">
               <a:rPr lang="en-GB" smtClean="0"/>
-              <a:t>07/04/2018</a:t>
+              <a:t>09/04/2018</a:t>
             </a:fld>
             <a:endParaRPr lang="en-GB"/>
           </a:p>
@@ -3452,7 +3278,7 @@
           <a:p>
             <a:fld id="{8C2DC95F-4758-45CC-8E65-674D23536E7F}" type="datetimeFigureOut">
               <a:rPr lang="en-GB" smtClean="0"/>
-              <a:t>07/04/2018</a:t>
+              <a:t>09/04/2018</a:t>
             </a:fld>
             <a:endParaRPr lang="en-GB"/>
           </a:p>
@@ -4031,7 +3857,7 @@
         </p:nvCxnSpPr>
         <p:spPr>
           <a:xfrm flipH="1">
-            <a:off x="8852050" y="1708579"/>
+            <a:off x="8838195" y="1708579"/>
             <a:ext cx="1787117" cy="0"/>
           </a:xfrm>
           <a:prstGeom prst="line">
@@ -4070,7 +3896,7 @@
         </p:nvCxnSpPr>
         <p:spPr>
           <a:xfrm flipH="1" flipV="1">
-            <a:off x="10612383" y="1683866"/>
+            <a:off x="10612383" y="1670011"/>
             <a:ext cx="2" cy="806698"/>
           </a:xfrm>
           <a:prstGeom prst="line">
@@ -4107,7 +3933,7 @@
         </p:nvSpPr>
         <p:spPr>
           <a:xfrm>
-            <a:off x="10324937" y="2515754"/>
+            <a:off x="10324937" y="2501899"/>
             <a:ext cx="574889" cy="586643"/>
           </a:xfrm>
           <a:prstGeom prst="ellipse">
@@ -4158,7 +3984,7 @@
         </p:nvCxnSpPr>
         <p:spPr>
           <a:xfrm>
-            <a:off x="10612381" y="3127587"/>
+            <a:off x="10612381" y="3113732"/>
             <a:ext cx="0" cy="931795"/>
           </a:xfrm>
           <a:prstGeom prst="line">
@@ -4199,7 +4025,7 @@
         </p:nvGrpSpPr>
         <p:grpSpPr>
           <a:xfrm>
-            <a:off x="10175301" y="3297738"/>
+            <a:off x="10175301" y="3283883"/>
             <a:ext cx="874159" cy="1577314"/>
             <a:chOff x="10099568" y="3625104"/>
             <a:chExt cx="1025633" cy="1577314"/>
@@ -4469,201 +4295,6 @@
 </p:sld>
 </file>
 
-<file path=ppt/slides/slide10.xml><?xml version="1.0" encoding="utf-8"?>
-<p:sld xmlns:a="http://schemas.openxmlformats.org/drawingml/2006/main" xmlns:r="http://schemas.openxmlformats.org/officeDocument/2006/relationships" xmlns:p="http://schemas.openxmlformats.org/presentationml/2006/main">
-  <p:cSld>
-    <p:spTree>
-      <p:nvGrpSpPr>
-        <p:cNvPr id="1" name=""/>
-        <p:cNvGrpSpPr/>
-        <p:nvPr/>
-      </p:nvGrpSpPr>
-      <p:grpSpPr>
-        <a:xfrm>
-          <a:off x="0" y="0"/>
-          <a:ext cx="0" cy="0"/>
-          <a:chOff x="0" y="0"/>
-          <a:chExt cx="0" cy="0"/>
-        </a:xfrm>
-      </p:grpSpPr>
-      <p:sp>
-        <p:nvSpPr>
-          <p:cNvPr id="2" name="Title 1"/>
-          <p:cNvSpPr>
-            <a:spLocks noGrp="1"/>
-          </p:cNvSpPr>
-          <p:nvPr>
-            <p:ph type="title"/>
-          </p:nvPr>
-        </p:nvSpPr>
-        <p:spPr>
-          <a:xfrm>
-            <a:off x="1460310" y="365125"/>
-            <a:ext cx="9893490" cy="1325563"/>
-          </a:xfrm>
-        </p:spPr>
-        <p:txBody>
-          <a:bodyPr/>
-          <a:lstStyle/>
-          <a:p>
-            <a:r>
-              <a:rPr lang="en-GB" dirty="0"/>
-              <a:t>Techniques</a:t>
-            </a:r>
-          </a:p>
-        </p:txBody>
-      </p:sp>
-      <p:sp>
-        <p:nvSpPr>
-          <p:cNvPr id="3" name="Content Placeholder 2"/>
-          <p:cNvSpPr>
-            <a:spLocks noGrp="1"/>
-          </p:cNvSpPr>
-          <p:nvPr>
-            <p:ph idx="1"/>
-          </p:nvPr>
-        </p:nvSpPr>
-        <p:spPr>
-          <a:xfrm>
-            <a:off x="1569492" y="1825625"/>
-            <a:ext cx="9784307" cy="4351338"/>
-          </a:xfrm>
-        </p:spPr>
-        <p:txBody>
-          <a:bodyPr/>
-          <a:lstStyle/>
-          <a:p>
-            <a:r>
-              <a:rPr lang="en-GB" dirty="0"/>
-              <a:t>TBC</a:t>
-            </a:r>
-          </a:p>
-        </p:txBody>
-      </p:sp>
-    </p:spTree>
-    <p:extLst>
-      <p:ext uri="{BB962C8B-B14F-4D97-AF65-F5344CB8AC3E}">
-        <p14:creationId xmlns:p14="http://schemas.microsoft.com/office/powerpoint/2010/main" val="1605142803"/>
-      </p:ext>
-    </p:extLst>
-  </p:cSld>
-  <p:clrMapOvr>
-    <a:masterClrMapping/>
-  </p:clrMapOvr>
-</p:sld>
-</file>
-
-<file path=ppt/slides/slide11.xml><?xml version="1.0" encoding="utf-8"?>
-<p:sld xmlns:a="http://schemas.openxmlformats.org/drawingml/2006/main" xmlns:r="http://schemas.openxmlformats.org/officeDocument/2006/relationships" xmlns:p="http://schemas.openxmlformats.org/presentationml/2006/main">
-  <p:cSld>
-    <p:spTree>
-      <p:nvGrpSpPr>
-        <p:cNvPr id="1" name=""/>
-        <p:cNvGrpSpPr/>
-        <p:nvPr/>
-      </p:nvGrpSpPr>
-      <p:grpSpPr>
-        <a:xfrm>
-          <a:off x="0" y="0"/>
-          <a:ext cx="0" cy="0"/>
-          <a:chOff x="0" y="0"/>
-          <a:chExt cx="0" cy="0"/>
-        </a:xfrm>
-      </p:grpSpPr>
-      <p:sp>
-        <p:nvSpPr>
-          <p:cNvPr id="2" name="Title 1"/>
-          <p:cNvSpPr>
-            <a:spLocks noGrp="1"/>
-          </p:cNvSpPr>
-          <p:nvPr>
-            <p:ph type="title"/>
-          </p:nvPr>
-        </p:nvSpPr>
-        <p:spPr>
-          <a:xfrm>
-            <a:off x="1310184" y="365125"/>
-            <a:ext cx="10043615" cy="1325563"/>
-          </a:xfrm>
-        </p:spPr>
-        <p:txBody>
-          <a:bodyPr/>
-          <a:lstStyle/>
-          <a:p>
-            <a:r>
-              <a:rPr lang="en-GB" dirty="0"/>
-              <a:t>Exercises</a:t>
-            </a:r>
-          </a:p>
-        </p:txBody>
-      </p:sp>
-      <p:sp>
-        <p:nvSpPr>
-          <p:cNvPr id="3" name="Content Placeholder 2"/>
-          <p:cNvSpPr>
-            <a:spLocks noGrp="1"/>
-          </p:cNvSpPr>
-          <p:nvPr>
-            <p:ph idx="1"/>
-          </p:nvPr>
-        </p:nvSpPr>
-        <p:spPr>
-          <a:xfrm>
-            <a:off x="1555844" y="1825625"/>
-            <a:ext cx="9797955" cy="4351338"/>
-          </a:xfrm>
-        </p:spPr>
-        <p:txBody>
-          <a:bodyPr/>
-          <a:lstStyle/>
-          <a:p>
-            <a:r>
-              <a:rPr lang="en-GB" dirty="0"/>
-              <a:t>Pair Up</a:t>
-            </a:r>
-          </a:p>
-          <a:p>
-            <a:endParaRPr lang="en-GB" dirty="0"/>
-          </a:p>
-          <a:p>
-            <a:r>
-              <a:rPr lang="en-GB" dirty="0"/>
-              <a:t>Play against the server</a:t>
-            </a:r>
-          </a:p>
-          <a:p>
-            <a:endParaRPr lang="en-GB" dirty="0"/>
-          </a:p>
-          <a:p>
-            <a:r>
-              <a:rPr lang="en-GB" dirty="0"/>
-              <a:t>Show / Contest?  </a:t>
-            </a:r>
-          </a:p>
-          <a:p>
-            <a:endParaRPr lang="en-GB" dirty="0"/>
-          </a:p>
-          <a:p>
-            <a:r>
-              <a:rPr lang="en-GB" dirty="0"/>
-              <a:t>Pub</a:t>
-            </a:r>
-          </a:p>
-        </p:txBody>
-      </p:sp>
-    </p:spTree>
-    <p:extLst>
-      <p:ext uri="{BB962C8B-B14F-4D97-AF65-F5344CB8AC3E}">
-        <p14:creationId xmlns:p14="http://schemas.microsoft.com/office/powerpoint/2010/main" val="976035452"/>
-      </p:ext>
-    </p:extLst>
-  </p:cSld>
-  <p:clrMapOvr>
-    <a:masterClrMapping/>
-  </p:clrMapOvr>
-</p:sld>
-</file>
-
 <file path=ppt/slides/slide2.xml><?xml version="1.0" encoding="utf-8"?>
 <p:sld xmlns:a="http://schemas.openxmlformats.org/drawingml/2006/main" xmlns:r="http://schemas.openxmlformats.org/officeDocument/2006/relationships" xmlns:p="http://schemas.openxmlformats.org/presentationml/2006/main">
   <p:cSld>
@@ -4705,16 +4336,12 @@
               <a:buNone/>
             </a:pPr>
             <a:r>
-              <a:rPr lang="en-GB" sz="3600" b="1" dirty="0">
-                <a:latin typeface="Calibri" panose="020F0502020204030204" pitchFamily="34" charset="0"/>
+              <a:rPr lang="en-GB" sz="4400" b="1" dirty="0">
+                <a:latin typeface="+mj-lt"/>
                 <a:cs typeface="Calibri" panose="020F0502020204030204" pitchFamily="34" charset="0"/>
               </a:rPr>
               <a:t>The Game</a:t>
             </a:r>
-            <a:endParaRPr lang="en-GB" b="1" dirty="0">
-              <a:latin typeface="Calibri" panose="020F0502020204030204" pitchFamily="34" charset="0"/>
-              <a:cs typeface="Calibri" panose="020F0502020204030204" pitchFamily="34" charset="0"/>
-            </a:endParaRPr>
           </a:p>
           <a:p>
             <a:pPr marL="0" indent="0">
@@ -7703,7 +7330,7 @@
         </p:nvSpPr>
         <p:spPr>
           <a:xfrm>
-            <a:off x="1470459" y="664089"/>
+            <a:off x="1344827" y="428562"/>
             <a:ext cx="9502346" cy="5551359"/>
           </a:xfrm>
         </p:spPr>
@@ -7715,10 +7342,14 @@
               <a:buNone/>
             </a:pPr>
             <a:r>
-              <a:rPr lang="en-GB" sz="3600" b="1" dirty="0"/>
+              <a:rPr lang="en-GB" sz="4400" b="1" dirty="0">
+                <a:latin typeface="+mj-lt"/>
+              </a:rPr>
               <a:t>Your Challenge</a:t>
             </a:r>
-            <a:endParaRPr lang="en-GB" sz="3600" dirty="0"/>
+            <a:endParaRPr lang="en-GB" sz="4400" dirty="0">
+              <a:latin typeface="+mj-lt"/>
+            </a:endParaRPr>
           </a:p>
           <a:p>
             <a:pPr marL="0" indent="0">
@@ -7738,7 +7369,7 @@
           <a:p>
             <a:r>
               <a:rPr lang="en-GB" dirty="0"/>
-              <a:t>The bot (program) runs on your machine, but calls a set of simple APIs on the server.</a:t>
+              <a:t>The bot (program) runs on your machine, but calls an API on the server.</a:t>
             </a:r>
           </a:p>
           <a:p>
@@ -7750,7 +7381,7 @@
           <a:p>
             <a:r>
               <a:rPr lang="en-GB" dirty="0"/>
-              <a:t>The API calls are made using HTTP GET and POST commands</a:t>
+              <a:t>The API calls are made using HTTP GET, POST and PATCH commands</a:t>
             </a:r>
           </a:p>
           <a:p>
@@ -7984,7 +7615,7 @@
           <a:lstStyle/>
           <a:p>
             <a:r>
-              <a:rPr lang="en-GB" dirty="0"/>
+              <a:rPr lang="en-GB" b="1" dirty="0"/>
               <a:t>The Steps</a:t>
             </a:r>
           </a:p>
@@ -8002,8 +7633,8 @@
         </p:nvSpPr>
         <p:spPr>
           <a:xfrm>
-            <a:off x="1297457" y="1417852"/>
-            <a:ext cx="10056341" cy="4351338"/>
+            <a:off x="1297457" y="1168467"/>
+            <a:ext cx="10056341" cy="4885966"/>
           </a:xfrm>
         </p:spPr>
         <p:txBody>
@@ -8031,7 +7662,31 @@
             </a:pPr>
             <a:r>
               <a:rPr lang="en-GB" dirty="0"/>
-              <a:t>Choose a name (and password) for your team.  Then ‘Post’ to Register</a:t>
+              <a:t>Choose a username and password for your team. POST these details as a JSON object to the /</a:t>
+            </a:r>
+            <a:r>
+              <a:rPr lang="en-GB" dirty="0" err="1"/>
+              <a:t>api</a:t>
+            </a:r>
+            <a:r>
+              <a:rPr lang="en-GB" dirty="0"/>
+              <a:t>/</a:t>
+            </a:r>
+            <a:r>
+              <a:rPr lang="en-GB" dirty="0" err="1"/>
+              <a:t>auth</a:t>
+            </a:r>
+            <a:r>
+              <a:rPr lang="en-GB" dirty="0"/>
+              <a:t> endpoint. If successful, you’ll receive an </a:t>
+            </a:r>
+            <a:r>
+              <a:rPr lang="en-GB" dirty="0" err="1"/>
+              <a:t>auth</a:t>
+            </a:r>
+            <a:r>
+              <a:rPr lang="en-GB" dirty="0"/>
+              <a:t> token in the response.</a:t>
             </a:r>
           </a:p>
           <a:p>
@@ -8044,7 +7699,23 @@
             </a:pPr>
             <a:r>
               <a:rPr lang="en-GB" dirty="0"/>
-              <a:t>Then ‘Get’ the current state of the game.  This will include the board and whose turn it is. </a:t>
+              <a:t>POST at /</a:t>
+            </a:r>
+            <a:r>
+              <a:rPr lang="en-GB" dirty="0" err="1"/>
+              <a:t>api</a:t>
+            </a:r>
+            <a:r>
+              <a:rPr lang="en-GB" dirty="0"/>
+              <a:t>/games to start a new game (remembering to include the </a:t>
+            </a:r>
+            <a:r>
+              <a:rPr lang="en-GB" dirty="0" err="1"/>
+              <a:t>auth</a:t>
+            </a:r>
+            <a:r>
+              <a:rPr lang="en-GB" dirty="0"/>
+              <a:t> token in the header of subsequent requests).</a:t>
             </a:r>
           </a:p>
           <a:p>
@@ -8057,7 +7728,7 @@
             </a:pPr>
             <a:r>
               <a:rPr lang="en-GB" dirty="0"/>
-              <a:t>If it is your turn then make your move</a:t>
+              <a:t>Make PATCH requests with your individual letter guesses.</a:t>
             </a:r>
           </a:p>
           <a:p>
@@ -8070,7 +7741,46 @@
             </a:pPr>
             <a:r>
               <a:rPr lang="en-GB" dirty="0"/>
-              <a:t>Repeat from step 2 </a:t>
+              <a:t>Repeat Step 3 until you’ve completed the game. This will be either by:</a:t>
+            </a:r>
+          </a:p>
+          <a:p>
+            <a:pPr marL="914400" lvl="2" indent="-457200">
+              <a:spcBef>
+                <a:spcPts val="1000"/>
+              </a:spcBef>
+              <a:buFont typeface="+mj-lt"/>
+              <a:buAutoNum type="alphaUcPeriod"/>
+            </a:pPr>
+            <a:r>
+              <a:rPr lang="en-GB" dirty="0"/>
+              <a:t>Winning (guessing all the letters), or</a:t>
+            </a:r>
+          </a:p>
+          <a:p>
+            <a:pPr marL="914400" lvl="2" indent="-457200">
+              <a:spcBef>
+                <a:spcPts val="1000"/>
+              </a:spcBef>
+              <a:buFont typeface="+mj-lt"/>
+              <a:buAutoNum type="alphaUcPeriod"/>
+            </a:pPr>
+            <a:r>
+              <a:rPr lang="en-GB" dirty="0"/>
+              <a:t>Making 10 incorrect guesses</a:t>
+            </a:r>
+          </a:p>
+          <a:p>
+            <a:pPr marL="457200" lvl="1" indent="-457200">
+              <a:spcBef>
+                <a:spcPts val="1000"/>
+              </a:spcBef>
+              <a:buFont typeface="+mj-lt"/>
+              <a:buAutoNum type="arabicPeriod"/>
+            </a:pPr>
+            <a:r>
+              <a:rPr lang="en-GB" dirty="0"/>
+              <a:t>Repeat from Step 2 to play another game.</a:t>
             </a:r>
           </a:p>
           <a:p>
@@ -8120,8 +7830,8 @@
         </p:nvSpPr>
         <p:spPr>
           <a:xfrm>
-            <a:off x="1297458" y="365125"/>
-            <a:ext cx="10056341" cy="1325563"/>
+            <a:off x="1310184" y="365125"/>
+            <a:ext cx="10043615" cy="1325563"/>
           </a:xfrm>
         </p:spPr>
         <p:txBody>
@@ -8129,8 +7839,8 @@
           <a:lstStyle/>
           <a:p>
             <a:r>
-              <a:rPr lang="en-GB" dirty="0"/>
-              <a:t>The API</a:t>
+              <a:rPr lang="en-GB" b="1" dirty="0"/>
+              <a:t>Exercises</a:t>
             </a:r>
           </a:p>
         </p:txBody>
@@ -8147,8 +7857,8 @@
         </p:nvSpPr>
         <p:spPr>
           <a:xfrm>
-            <a:off x="1297458" y="1825625"/>
-            <a:ext cx="10056342" cy="4351338"/>
+            <a:off x="1555844" y="1479258"/>
+            <a:ext cx="9797955" cy="4351338"/>
           </a:xfrm>
         </p:spPr>
         <p:txBody>
@@ -8157,24 +7867,34 @@
           <a:p>
             <a:r>
               <a:rPr lang="en-GB" dirty="0"/>
-              <a:t>There is some example code on the </a:t>
-            </a:r>
-            <a:r>
-              <a:rPr lang="en-GB" dirty="0" err="1"/>
-              <a:t>YorkCodeDojo</a:t>
-            </a:r>
+              <a:t>Form teams</a:t>
+            </a:r>
+          </a:p>
+          <a:p>
+            <a:endParaRPr lang="en-GB" dirty="0"/>
+          </a:p>
+          <a:p>
             <a:r>
               <a:rPr lang="en-GB" dirty="0"/>
-              <a:t> GitHub</a:t>
-            </a:r>
-          </a:p>
-          <a:p>
-            <a:endParaRPr lang="en-GB" sz="2000" dirty="0"/>
-          </a:p>
-          <a:p>
+              <a:t>Play against the server</a:t>
+            </a:r>
+          </a:p>
+          <a:p>
+            <a:pPr marL="914400" lvl="1" indent="-457200">
+              <a:buAutoNum type="arabicPeriod"/>
+            </a:pPr>
             <a:r>
               <a:rPr lang="en-GB" dirty="0"/>
-              <a:t>and some details in these slides if you want to start from scratch (which are also part of the GitHub repo)</a:t>
+              <a:t>“Manually”</a:t>
+            </a:r>
+          </a:p>
+          <a:p>
+            <a:pPr marL="914400" lvl="1" indent="-457200">
+              <a:buAutoNum type="arabicPeriod"/>
+            </a:pPr>
+            <a:r>
+              <a:rPr lang="en-GB" dirty="0"/>
+              <a:t>Write a bot</a:t>
             </a:r>
           </a:p>
           <a:p>
@@ -8183,7 +7903,16 @@
           <a:p>
             <a:r>
               <a:rPr lang="en-GB" dirty="0"/>
-              <a:t>Online help (swagger) // TODO: URLs here</a:t>
+              <a:t>Show / Contest?  </a:t>
+            </a:r>
+          </a:p>
+          <a:p>
+            <a:endParaRPr lang="en-GB" dirty="0"/>
+          </a:p>
+          <a:p>
+            <a:r>
+              <a:rPr lang="en-GB" dirty="0"/>
+              <a:t>Pub</a:t>
             </a:r>
           </a:p>
         </p:txBody>
@@ -8191,790 +7920,7 @@
     </p:spTree>
     <p:extLst>
       <p:ext uri="{BB962C8B-B14F-4D97-AF65-F5344CB8AC3E}">
-        <p14:creationId xmlns:p14="http://schemas.microsoft.com/office/powerpoint/2010/main" val="2541495627"/>
-      </p:ext>
-    </p:extLst>
-  </p:cSld>
-  <p:clrMapOvr>
-    <a:masterClrMapping/>
-  </p:clrMapOvr>
-</p:sld>
-</file>
-
-<file path=ppt/slides/slide6.xml><?xml version="1.0" encoding="utf-8"?>
-<p:sld xmlns:a="http://schemas.openxmlformats.org/drawingml/2006/main" xmlns:r="http://schemas.openxmlformats.org/officeDocument/2006/relationships" xmlns:p="http://schemas.openxmlformats.org/presentationml/2006/main">
-  <p:cSld>
-    <p:spTree>
-      <p:nvGrpSpPr>
-        <p:cNvPr id="1" name=""/>
-        <p:cNvGrpSpPr/>
-        <p:nvPr/>
-      </p:nvGrpSpPr>
-      <p:grpSpPr>
-        <a:xfrm>
-          <a:off x="0" y="0"/>
-          <a:ext cx="0" cy="0"/>
-          <a:chOff x="0" y="0"/>
-          <a:chExt cx="0" cy="0"/>
-        </a:xfrm>
-      </p:grpSpPr>
-      <p:sp>
-        <p:nvSpPr>
-          <p:cNvPr id="2" name="Title 1"/>
-          <p:cNvSpPr>
-            <a:spLocks noGrp="1"/>
-          </p:cNvSpPr>
-          <p:nvPr>
-            <p:ph type="title"/>
-          </p:nvPr>
-        </p:nvSpPr>
-        <p:spPr>
-          <a:xfrm>
-            <a:off x="1143000" y="365126"/>
-            <a:ext cx="10210800" cy="745218"/>
-          </a:xfrm>
-        </p:spPr>
-        <p:txBody>
-          <a:bodyPr/>
-          <a:lstStyle/>
-          <a:p>
-            <a:r>
-              <a:rPr lang="en-GB" dirty="0"/>
-              <a:t>/</a:t>
-            </a:r>
-            <a:r>
-              <a:rPr lang="en-GB" dirty="0" err="1"/>
-              <a:t>api</a:t>
-            </a:r>
-            <a:r>
-              <a:rPr lang="en-GB" dirty="0"/>
-              <a:t>/Register  [POST]</a:t>
-            </a:r>
-            <a:br>
-              <a:rPr lang="en-GB" dirty="0"/>
-            </a:br>
-            <a:endParaRPr lang="en-GB" dirty="0"/>
-          </a:p>
-        </p:txBody>
-      </p:sp>
-      <p:sp>
-        <p:nvSpPr>
-          <p:cNvPr id="3" name="Content Placeholder 2"/>
-          <p:cNvSpPr>
-            <a:spLocks noGrp="1"/>
-          </p:cNvSpPr>
-          <p:nvPr>
-            <p:ph idx="1"/>
-          </p:nvPr>
-        </p:nvSpPr>
-        <p:spPr>
-          <a:xfrm>
-            <a:off x="1143000" y="1230086"/>
-            <a:ext cx="10210800" cy="5355771"/>
-          </a:xfrm>
-        </p:spPr>
-        <p:txBody>
-          <a:bodyPr/>
-          <a:lstStyle/>
-          <a:p>
-            <a:pPr marL="0" indent="0">
-              <a:buNone/>
-            </a:pPr>
-            <a:r>
-              <a:rPr lang="en-GB" dirty="0"/>
-              <a:t>Register your team and returns your unique player ID.</a:t>
-            </a:r>
-          </a:p>
-          <a:p>
-            <a:pPr marL="0" indent="0">
-              <a:buNone/>
-            </a:pPr>
-            <a:endParaRPr lang="en-GB" dirty="0"/>
-          </a:p>
-          <a:p>
-            <a:pPr marL="0" indent="0">
-              <a:buNone/>
-            </a:pPr>
-            <a:r>
-              <a:rPr lang="en-GB" dirty="0"/>
-              <a:t>Parameters:</a:t>
-            </a:r>
-          </a:p>
-          <a:p>
-            <a:r>
-              <a:rPr lang="en-GB" dirty="0" err="1"/>
-              <a:t>TeamName</a:t>
-            </a:r>
-            <a:endParaRPr lang="en-GB" dirty="0"/>
-          </a:p>
-          <a:p>
-            <a:r>
-              <a:rPr lang="en-GB" dirty="0"/>
-              <a:t>Password</a:t>
-            </a:r>
-          </a:p>
-          <a:p>
-            <a:endParaRPr lang="en-GB" dirty="0"/>
-          </a:p>
-          <a:p>
-            <a:pPr marL="0" indent="0">
-              <a:buNone/>
-            </a:pPr>
-            <a:r>
-              <a:rPr lang="en-GB" dirty="0"/>
-              <a:t>Returns:</a:t>
-            </a:r>
-          </a:p>
-          <a:p>
-            <a:r>
-              <a:rPr lang="en-GB" dirty="0"/>
-              <a:t>Your player ID</a:t>
-            </a:r>
-          </a:p>
-          <a:p>
-            <a:pPr marL="0" indent="0">
-              <a:buNone/>
-            </a:pPr>
-            <a:endParaRPr lang="en-GB" dirty="0"/>
-          </a:p>
-          <a:p>
-            <a:pPr marL="0" indent="0">
-              <a:buNone/>
-            </a:pPr>
-            <a:r>
-              <a:rPr lang="en-GB" dirty="0"/>
-              <a:t>Example</a:t>
-            </a:r>
-          </a:p>
-          <a:p>
-            <a:pPr marL="0" indent="0">
-              <a:buNone/>
-            </a:pPr>
-            <a:r>
-              <a:rPr lang="en-GB" sz="2000" dirty="0" err="1"/>
-              <a:t>api</a:t>
-            </a:r>
-            <a:r>
-              <a:rPr lang="en-GB" sz="2000" dirty="0"/>
-              <a:t>/</a:t>
-            </a:r>
-            <a:r>
-              <a:rPr lang="en-GB" sz="2000" dirty="0" err="1"/>
-              <a:t>Register?teamName</a:t>
-            </a:r>
-            <a:r>
-              <a:rPr lang="en-GB" sz="2000" dirty="0"/>
-              <a:t>=</a:t>
-            </a:r>
-            <a:r>
-              <a:rPr lang="en-GB" sz="2000" dirty="0" err="1"/>
-              <a:t>Winners&amp;password</a:t>
-            </a:r>
-            <a:r>
-              <a:rPr lang="en-GB" sz="2000" dirty="0"/>
-              <a:t>=Secret</a:t>
-            </a:r>
-          </a:p>
-          <a:p>
-            <a:pPr marL="0" indent="0">
-              <a:buNone/>
-            </a:pPr>
-            <a:endParaRPr lang="en-GB" sz="2000" dirty="0"/>
-          </a:p>
-        </p:txBody>
-      </p:sp>
-    </p:spTree>
-    <p:extLst>
-      <p:ext uri="{BB962C8B-B14F-4D97-AF65-F5344CB8AC3E}">
-        <p14:creationId xmlns:p14="http://schemas.microsoft.com/office/powerpoint/2010/main" val="2091625023"/>
-      </p:ext>
-    </p:extLst>
-  </p:cSld>
-  <p:clrMapOvr>
-    <a:masterClrMapping/>
-  </p:clrMapOvr>
-</p:sld>
-</file>
-
-<file path=ppt/slides/slide7.xml><?xml version="1.0" encoding="utf-8"?>
-<p:sld xmlns:a="http://schemas.openxmlformats.org/drawingml/2006/main" xmlns:r="http://schemas.openxmlformats.org/officeDocument/2006/relationships" xmlns:p="http://schemas.openxmlformats.org/presentationml/2006/main">
-  <p:cSld>
-    <p:spTree>
-      <p:nvGrpSpPr>
-        <p:cNvPr id="1" name=""/>
-        <p:cNvGrpSpPr/>
-        <p:nvPr/>
-      </p:nvGrpSpPr>
-      <p:grpSpPr>
-        <a:xfrm>
-          <a:off x="0" y="0"/>
-          <a:ext cx="0" cy="0"/>
-          <a:chOff x="0" y="0"/>
-          <a:chExt cx="0" cy="0"/>
-        </a:xfrm>
-      </p:grpSpPr>
-      <p:sp>
-        <p:nvSpPr>
-          <p:cNvPr id="2" name="Title 1"/>
-          <p:cNvSpPr>
-            <a:spLocks noGrp="1"/>
-          </p:cNvSpPr>
-          <p:nvPr>
-            <p:ph type="title"/>
-          </p:nvPr>
-        </p:nvSpPr>
-        <p:spPr>
-          <a:xfrm>
-            <a:off x="1143000" y="365126"/>
-            <a:ext cx="10210800" cy="745218"/>
-          </a:xfrm>
-        </p:spPr>
-        <p:txBody>
-          <a:bodyPr/>
-          <a:lstStyle/>
-          <a:p>
-            <a:r>
-              <a:rPr lang="en-GB" dirty="0"/>
-              <a:t>/</a:t>
-            </a:r>
-            <a:r>
-              <a:rPr lang="en-GB" dirty="0" err="1"/>
-              <a:t>api</a:t>
-            </a:r>
-            <a:r>
-              <a:rPr lang="en-GB" dirty="0"/>
-              <a:t>/</a:t>
-            </a:r>
-            <a:r>
-              <a:rPr lang="en-GB" dirty="0" err="1"/>
-              <a:t>GameState</a:t>
-            </a:r>
-            <a:r>
-              <a:rPr lang="en-GB" dirty="0"/>
-              <a:t>  [GET]</a:t>
-            </a:r>
-            <a:br>
-              <a:rPr lang="en-GB" dirty="0"/>
-            </a:br>
-            <a:endParaRPr lang="en-GB" dirty="0"/>
-          </a:p>
-        </p:txBody>
-      </p:sp>
-      <p:sp>
-        <p:nvSpPr>
-          <p:cNvPr id="3" name="Content Placeholder 2"/>
-          <p:cNvSpPr>
-            <a:spLocks noGrp="1"/>
-          </p:cNvSpPr>
-          <p:nvPr>
-            <p:ph idx="1"/>
-          </p:nvPr>
-        </p:nvSpPr>
-        <p:spPr>
-          <a:xfrm>
-            <a:off x="1143000" y="1230086"/>
-            <a:ext cx="10210800" cy="5355771"/>
-          </a:xfrm>
-        </p:spPr>
-        <p:txBody>
-          <a:bodyPr/>
-          <a:lstStyle/>
-          <a:p>
-            <a:pPr marL="0" indent="0">
-              <a:buNone/>
-            </a:pPr>
-            <a:r>
-              <a:rPr lang="en-GB" dirty="0"/>
-              <a:t>Returns the current state of the game</a:t>
-            </a:r>
-          </a:p>
-          <a:p>
-            <a:pPr marL="0" indent="0">
-              <a:buNone/>
-            </a:pPr>
-            <a:endParaRPr lang="en-GB" dirty="0"/>
-          </a:p>
-          <a:p>
-            <a:pPr marL="0" indent="0">
-              <a:buNone/>
-            </a:pPr>
-            <a:r>
-              <a:rPr lang="en-GB" dirty="0"/>
-              <a:t>Parameters:</a:t>
-            </a:r>
-          </a:p>
-          <a:p>
-            <a:r>
-              <a:rPr lang="en-GB" dirty="0" err="1"/>
-              <a:t>PlayerID</a:t>
-            </a:r>
-            <a:endParaRPr lang="en-GB" dirty="0"/>
-          </a:p>
-          <a:p>
-            <a:endParaRPr lang="en-GB" dirty="0"/>
-          </a:p>
-          <a:p>
-            <a:pPr marL="0" indent="0">
-              <a:buNone/>
-            </a:pPr>
-            <a:r>
-              <a:rPr lang="en-GB" dirty="0"/>
-              <a:t>Returns:</a:t>
-            </a:r>
-          </a:p>
-          <a:p>
-            <a:r>
-              <a:rPr lang="en-GB" dirty="0"/>
-              <a:t>A </a:t>
-            </a:r>
-            <a:r>
-              <a:rPr lang="en-GB" dirty="0" err="1"/>
-              <a:t>json</a:t>
-            </a:r>
-            <a:r>
-              <a:rPr lang="en-GB" dirty="0"/>
-              <a:t> object shown on the next slide</a:t>
-            </a:r>
-          </a:p>
-          <a:p>
-            <a:pPr marL="0" indent="0">
-              <a:buNone/>
-            </a:pPr>
-            <a:endParaRPr lang="en-GB" dirty="0"/>
-          </a:p>
-          <a:p>
-            <a:pPr marL="0" indent="0">
-              <a:buNone/>
-            </a:pPr>
-            <a:r>
-              <a:rPr lang="en-GB" dirty="0"/>
-              <a:t>Example</a:t>
-            </a:r>
-          </a:p>
-          <a:p>
-            <a:pPr marL="0" indent="0">
-              <a:buNone/>
-            </a:pPr>
-            <a:r>
-              <a:rPr lang="en-GB" sz="2000" dirty="0" err="1"/>
-              <a:t>api</a:t>
-            </a:r>
-            <a:r>
-              <a:rPr lang="en-GB" sz="2000" dirty="0"/>
-              <a:t>/</a:t>
-            </a:r>
-            <a:r>
-              <a:rPr lang="en-GB" sz="2000" dirty="0" err="1"/>
-              <a:t>GameState?playerID</a:t>
-            </a:r>
-            <a:r>
-              <a:rPr lang="en-GB" sz="2000" dirty="0"/>
-              <a:t>=1234567</a:t>
-            </a:r>
-          </a:p>
-          <a:p>
-            <a:pPr marL="0" indent="0">
-              <a:buNone/>
-            </a:pPr>
-            <a:endParaRPr lang="en-GB" sz="2000" dirty="0"/>
-          </a:p>
-        </p:txBody>
-      </p:sp>
-    </p:spTree>
-    <p:extLst>
-      <p:ext uri="{BB962C8B-B14F-4D97-AF65-F5344CB8AC3E}">
-        <p14:creationId xmlns:p14="http://schemas.microsoft.com/office/powerpoint/2010/main" val="2993026042"/>
-      </p:ext>
-    </p:extLst>
-  </p:cSld>
-  <p:clrMapOvr>
-    <a:masterClrMapping/>
-  </p:clrMapOvr>
-</p:sld>
-</file>
-
-<file path=ppt/slides/slide8.xml><?xml version="1.0" encoding="utf-8"?>
-<p:sld xmlns:a="http://schemas.openxmlformats.org/drawingml/2006/main" xmlns:r="http://schemas.openxmlformats.org/officeDocument/2006/relationships" xmlns:p="http://schemas.openxmlformats.org/presentationml/2006/main">
-  <p:cSld>
-    <p:spTree>
-      <p:nvGrpSpPr>
-        <p:cNvPr id="1" name=""/>
-        <p:cNvGrpSpPr/>
-        <p:nvPr/>
-      </p:nvGrpSpPr>
-      <p:grpSpPr>
-        <a:xfrm>
-          <a:off x="0" y="0"/>
-          <a:ext cx="0" cy="0"/>
-          <a:chOff x="0" y="0"/>
-          <a:chExt cx="0" cy="0"/>
-        </a:xfrm>
-      </p:grpSpPr>
-      <p:sp>
-        <p:nvSpPr>
-          <p:cNvPr id="2" name="Title 1"/>
-          <p:cNvSpPr>
-            <a:spLocks noGrp="1"/>
-          </p:cNvSpPr>
-          <p:nvPr>
-            <p:ph type="title"/>
-          </p:nvPr>
-        </p:nvSpPr>
-        <p:spPr>
-          <a:xfrm>
-            <a:off x="1143000" y="365126"/>
-            <a:ext cx="10210800" cy="745218"/>
-          </a:xfrm>
-        </p:spPr>
-        <p:txBody>
-          <a:bodyPr/>
-          <a:lstStyle/>
-          <a:p>
-            <a:r>
-              <a:rPr lang="en-GB" dirty="0"/>
-              <a:t>/</a:t>
-            </a:r>
-            <a:r>
-              <a:rPr lang="en-GB" dirty="0" err="1"/>
-              <a:t>api</a:t>
-            </a:r>
-            <a:r>
-              <a:rPr lang="en-GB" dirty="0"/>
-              <a:t>/</a:t>
-            </a:r>
-            <a:r>
-              <a:rPr lang="en-GB" dirty="0" err="1"/>
-              <a:t>MakeMove</a:t>
-            </a:r>
-            <a:r>
-              <a:rPr lang="en-GB" dirty="0"/>
-              <a:t>  [POST]</a:t>
-            </a:r>
-            <a:br>
-              <a:rPr lang="en-GB" dirty="0"/>
-            </a:br>
-            <a:endParaRPr lang="en-GB" dirty="0"/>
-          </a:p>
-        </p:txBody>
-      </p:sp>
-      <p:sp>
-        <p:nvSpPr>
-          <p:cNvPr id="3" name="Content Placeholder 2"/>
-          <p:cNvSpPr>
-            <a:spLocks noGrp="1"/>
-          </p:cNvSpPr>
-          <p:nvPr>
-            <p:ph idx="1"/>
-          </p:nvPr>
-        </p:nvSpPr>
-        <p:spPr>
-          <a:xfrm>
-            <a:off x="1143000" y="1230086"/>
-            <a:ext cx="10210800" cy="5355771"/>
-          </a:xfrm>
-        </p:spPr>
-        <p:txBody>
-          <a:bodyPr/>
-          <a:lstStyle/>
-          <a:p>
-            <a:pPr marL="0" indent="0">
-              <a:buNone/>
-            </a:pPr>
-            <a:r>
-              <a:rPr lang="en-GB" dirty="0"/>
-              <a:t>Places your piece into a column</a:t>
-            </a:r>
-          </a:p>
-          <a:p>
-            <a:pPr marL="0" indent="0">
-              <a:buNone/>
-            </a:pPr>
-            <a:endParaRPr lang="en-GB" sz="2000" dirty="0"/>
-          </a:p>
-          <a:p>
-            <a:pPr marL="0" indent="0">
-              <a:buNone/>
-            </a:pPr>
-            <a:r>
-              <a:rPr lang="en-GB" sz="2000" dirty="0"/>
-              <a:t>Parameters:</a:t>
-            </a:r>
-          </a:p>
-          <a:p>
-            <a:r>
-              <a:rPr lang="en-GB" sz="2000" dirty="0" err="1"/>
-              <a:t>PlayerID</a:t>
-            </a:r>
-            <a:endParaRPr lang="en-GB" sz="2000" dirty="0"/>
-          </a:p>
-          <a:p>
-            <a:r>
-              <a:rPr lang="en-GB" sz="2000" dirty="0" err="1"/>
-              <a:t>ColumnNumber</a:t>
-            </a:r>
-            <a:endParaRPr lang="en-GB" sz="2000" dirty="0"/>
-          </a:p>
-          <a:p>
-            <a:r>
-              <a:rPr lang="en-GB" sz="2000" dirty="0"/>
-              <a:t>Password</a:t>
-            </a:r>
-          </a:p>
-          <a:p>
-            <a:endParaRPr lang="en-GB" sz="2000" dirty="0"/>
-          </a:p>
-          <a:p>
-            <a:pPr marL="0" indent="0">
-              <a:buNone/>
-            </a:pPr>
-            <a:r>
-              <a:rPr lang="en-GB" sz="2000" dirty="0"/>
-              <a:t>Returns:</a:t>
-            </a:r>
-          </a:p>
-          <a:p>
-            <a:r>
-              <a:rPr lang="en-GB" sz="2000" dirty="0"/>
-              <a:t>Nothing</a:t>
-            </a:r>
-          </a:p>
-          <a:p>
-            <a:pPr marL="0" indent="0">
-              <a:buNone/>
-            </a:pPr>
-            <a:endParaRPr lang="en-GB" dirty="0"/>
-          </a:p>
-          <a:p>
-            <a:pPr marL="0" indent="0">
-              <a:buNone/>
-            </a:pPr>
-            <a:r>
-              <a:rPr lang="en-GB" dirty="0"/>
-              <a:t>Example</a:t>
-            </a:r>
-          </a:p>
-          <a:p>
-            <a:pPr marL="0" indent="0">
-              <a:buNone/>
-            </a:pPr>
-            <a:r>
-              <a:rPr lang="en-GB" sz="2000" dirty="0" err="1"/>
-              <a:t>api</a:t>
-            </a:r>
-            <a:r>
-              <a:rPr lang="en-GB" sz="2000" dirty="0"/>
-              <a:t>/</a:t>
-            </a:r>
-            <a:r>
-              <a:rPr lang="en-GB" sz="2000" dirty="0" err="1"/>
-              <a:t>MakeMove?playerID</a:t>
-            </a:r>
-            <a:r>
-              <a:rPr lang="en-GB" sz="2000" dirty="0"/>
-              <a:t>=1234567&amp;ColumnNumber=2&amp;Password=secret</a:t>
-            </a:r>
-          </a:p>
-          <a:p>
-            <a:pPr marL="0" indent="0">
-              <a:buNone/>
-            </a:pPr>
-            <a:endParaRPr lang="en-GB" sz="2000" dirty="0"/>
-          </a:p>
-        </p:txBody>
-      </p:sp>
-    </p:spTree>
-    <p:extLst>
-      <p:ext uri="{BB962C8B-B14F-4D97-AF65-F5344CB8AC3E}">
-        <p14:creationId xmlns:p14="http://schemas.microsoft.com/office/powerpoint/2010/main" val="2351629257"/>
-      </p:ext>
-    </p:extLst>
-  </p:cSld>
-  <p:clrMapOvr>
-    <a:masterClrMapping/>
-  </p:clrMapOvr>
-</p:sld>
-</file>
-
-<file path=ppt/slides/slide9.xml><?xml version="1.0" encoding="utf-8"?>
-<p:sld xmlns:a="http://schemas.openxmlformats.org/drawingml/2006/main" xmlns:r="http://schemas.openxmlformats.org/officeDocument/2006/relationships" xmlns:p="http://schemas.openxmlformats.org/presentationml/2006/main">
-  <p:cSld>
-    <p:spTree>
-      <p:nvGrpSpPr>
-        <p:cNvPr id="1" name=""/>
-        <p:cNvGrpSpPr/>
-        <p:nvPr/>
-      </p:nvGrpSpPr>
-      <p:grpSpPr>
-        <a:xfrm>
-          <a:off x="0" y="0"/>
-          <a:ext cx="0" cy="0"/>
-          <a:chOff x="0" y="0"/>
-          <a:chExt cx="0" cy="0"/>
-        </a:xfrm>
-      </p:grpSpPr>
-      <p:sp>
-        <p:nvSpPr>
-          <p:cNvPr id="2" name="Title 1"/>
-          <p:cNvSpPr>
-            <a:spLocks noGrp="1"/>
-          </p:cNvSpPr>
-          <p:nvPr>
-            <p:ph type="title"/>
-          </p:nvPr>
-        </p:nvSpPr>
-        <p:spPr>
-          <a:xfrm>
-            <a:off x="1143000" y="365126"/>
-            <a:ext cx="10210800" cy="745218"/>
-          </a:xfrm>
-        </p:spPr>
-        <p:txBody>
-          <a:bodyPr/>
-          <a:lstStyle/>
-          <a:p>
-            <a:r>
-              <a:rPr lang="en-GB" dirty="0"/>
-              <a:t>/</a:t>
-            </a:r>
-            <a:r>
-              <a:rPr lang="en-GB" dirty="0" err="1"/>
-              <a:t>api</a:t>
-            </a:r>
-            <a:r>
-              <a:rPr lang="en-GB" dirty="0"/>
-              <a:t>/</a:t>
-            </a:r>
-            <a:r>
-              <a:rPr lang="en-GB" dirty="0" err="1"/>
-              <a:t>NewGame</a:t>
-            </a:r>
-            <a:r>
-              <a:rPr lang="en-GB" dirty="0"/>
-              <a:t>  [POST]</a:t>
-            </a:r>
-            <a:br>
-              <a:rPr lang="en-GB" dirty="0"/>
-            </a:br>
-            <a:endParaRPr lang="en-GB" dirty="0"/>
-          </a:p>
-        </p:txBody>
-      </p:sp>
-      <p:sp>
-        <p:nvSpPr>
-          <p:cNvPr id="3" name="Content Placeholder 2"/>
-          <p:cNvSpPr>
-            <a:spLocks noGrp="1"/>
-          </p:cNvSpPr>
-          <p:nvPr>
-            <p:ph idx="1"/>
-          </p:nvPr>
-        </p:nvSpPr>
-        <p:spPr>
-          <a:xfrm>
-            <a:off x="1143000" y="1230086"/>
-            <a:ext cx="10210800" cy="5355771"/>
-          </a:xfrm>
-        </p:spPr>
-        <p:txBody>
-          <a:bodyPr/>
-          <a:lstStyle/>
-          <a:p>
-            <a:pPr marL="0" indent="0">
-              <a:buNone/>
-            </a:pPr>
-            <a:r>
-              <a:rPr lang="en-GB" dirty="0"/>
-              <a:t>Clears the board</a:t>
-            </a:r>
-          </a:p>
-          <a:p>
-            <a:pPr marL="0" indent="0">
-              <a:buNone/>
-            </a:pPr>
-            <a:endParaRPr lang="en-GB" sz="2000" dirty="0"/>
-          </a:p>
-          <a:p>
-            <a:pPr marL="0" indent="0">
-              <a:buNone/>
-            </a:pPr>
-            <a:r>
-              <a:rPr lang="en-GB" sz="2000" dirty="0"/>
-              <a:t>Parameters:</a:t>
-            </a:r>
-          </a:p>
-          <a:p>
-            <a:r>
-              <a:rPr lang="en-GB" sz="2000" dirty="0" err="1"/>
-              <a:t>PlayerID</a:t>
-            </a:r>
-            <a:endParaRPr lang="en-GB" sz="2000" dirty="0"/>
-          </a:p>
-          <a:p>
-            <a:endParaRPr lang="en-GB" sz="2000" dirty="0"/>
-          </a:p>
-          <a:p>
-            <a:pPr marL="0" indent="0">
-              <a:buNone/>
-            </a:pPr>
-            <a:r>
-              <a:rPr lang="en-GB" sz="2000" dirty="0"/>
-              <a:t>Returns:</a:t>
-            </a:r>
-          </a:p>
-          <a:p>
-            <a:r>
-              <a:rPr lang="en-GB" sz="2000" dirty="0"/>
-              <a:t>Nothing</a:t>
-            </a:r>
-          </a:p>
-          <a:p>
-            <a:pPr marL="0" indent="0">
-              <a:buNone/>
-            </a:pPr>
-            <a:endParaRPr lang="en-GB" dirty="0"/>
-          </a:p>
-          <a:p>
-            <a:pPr marL="0" indent="0">
-              <a:buNone/>
-            </a:pPr>
-            <a:r>
-              <a:rPr lang="en-GB" dirty="0"/>
-              <a:t>Example</a:t>
-            </a:r>
-          </a:p>
-          <a:p>
-            <a:pPr marL="0" indent="0">
-              <a:buNone/>
-            </a:pPr>
-            <a:r>
-              <a:rPr lang="en-GB" sz="2000" dirty="0" err="1"/>
-              <a:t>api</a:t>
-            </a:r>
-            <a:r>
-              <a:rPr lang="en-GB" sz="2000" dirty="0"/>
-              <a:t>/</a:t>
-            </a:r>
-            <a:r>
-              <a:rPr lang="en-GB" sz="2000" dirty="0" err="1"/>
-              <a:t>NewGame?playerID</a:t>
-            </a:r>
-            <a:r>
-              <a:rPr lang="en-GB" sz="2000" dirty="0"/>
-              <a:t>=1234567</a:t>
-            </a:r>
-          </a:p>
-          <a:p>
-            <a:pPr marL="0" indent="0">
-              <a:buNone/>
-            </a:pPr>
-            <a:endParaRPr lang="en-GB" sz="2000" dirty="0"/>
-          </a:p>
-        </p:txBody>
-      </p:sp>
-    </p:spTree>
-    <p:extLst>
-      <p:ext uri="{BB962C8B-B14F-4D97-AF65-F5344CB8AC3E}">
-        <p14:creationId xmlns:p14="http://schemas.microsoft.com/office/powerpoint/2010/main" val="3696009913"/>
+        <p14:creationId xmlns:p14="http://schemas.microsoft.com/office/powerpoint/2010/main" val="976035452"/>
       </p:ext>
     </p:extLst>
   </p:cSld>
